--- a/FUNDATEC/MachineLearning/Proyecto/Entrega Final/Proyecto_ML_Fundatec.pptx
+++ b/FUNDATEC/MachineLearning/Proyecto/Entrega Final/Proyecto_ML_Fundatec.pptx
@@ -297,7 +297,7 @@
       </p15:sldGuideLst>
     </p:ext>
     <p:ext uri="GoogleSlidesCustomDataVersion2">
-      <go:slidesCustomData xmlns:go="http://customooxmlschemas.google.com/" xmlns:ahyp="http://schemas.microsoft.com/office/drawing/2018/hyperlinkcolor" xmlns:p15="http://schemas.microsoft.com/office/powerpoint/2012/main" xmlns:p14="http://schemas.microsoft.com/office/powerpoint/2010/main" xmlns:com="http://schemas.openxmlformats.org/drawingml/2006/compatibility" xmlns:pvml="urn:schemas-microsoft-com:office:powerpoint" xmlns:v="urn:schemas-microsoft-com:vml" xmlns:o="urn:schemas-microsoft-com:office:office" xmlns:dgm="http://schemas.openxmlformats.org/drawingml/2006/diagram" xmlns:c="http://schemas.openxmlformats.org/drawingml/2006/chart" xmlns:mv="urn:schemas-microsoft-com:mac:vml" xmlns:mc="http://schemas.openxmlformats.org/markup-compatibility/2006" xmlns="" r:id="rId42" roundtripDataSignature="AMtx7mguvqmalESAjhwt6/AyVub365D7Vw=="/>
+      <go:slidesCustomData xmlns="" xmlns:mc="http://schemas.openxmlformats.org/markup-compatibility/2006" xmlns:mv="urn:schemas-microsoft-com:mac:vml" xmlns:c="http://schemas.openxmlformats.org/drawingml/2006/chart" xmlns:dgm="http://schemas.openxmlformats.org/drawingml/2006/diagram" xmlns:o="urn:schemas-microsoft-com:office:office" xmlns:v="urn:schemas-microsoft-com:vml" xmlns:pvml="urn:schemas-microsoft-com:office:powerpoint" xmlns:com="http://schemas.openxmlformats.org/drawingml/2006/compatibility" xmlns:p14="http://schemas.microsoft.com/office/powerpoint/2010/main" xmlns:p15="http://schemas.microsoft.com/office/powerpoint/2012/main" xmlns:ahyp="http://schemas.microsoft.com/office/drawing/2018/hyperlinkcolor" xmlns:go="http://customooxmlschemas.google.com/" r:id="rId42" roundtripDataSignature="AMtx7mguvqmalESAjhwt6/AyVub365D7Vw=="/>
     </p:ext>
   </p:extLst>
 </p:presentation>
@@ -310,10 +310,10 @@
   <c:roundedCorners val="0"/>
   <mc:AlternateContent xmlns:mc="http://schemas.openxmlformats.org/markup-compatibility/2006">
     <mc:Choice xmlns:c14="http://schemas.microsoft.com/office/drawing/2007/8/2/chart" Requires="c14">
-      <c14:style val="101"/>
+      <c14:style val="102"/>
     </mc:Choice>
     <mc:Fallback>
-      <c:style val="1"/>
+      <c:style val="2"/>
     </mc:Fallback>
   </mc:AlternateContent>
   <c:chart>
@@ -332,9 +332,7 @@
           <c:spPr>
             <a:ln w="28575" cap="rnd">
               <a:solidFill>
-                <a:schemeClr val="dk1">
-                  <a:tint val="88500"/>
-                </a:schemeClr>
+                <a:schemeClr val="accent1"/>
               </a:solidFill>
               <a:round/>
             </a:ln>
@@ -345,15 +343,11 @@
             <c:size val="5"/>
             <c:spPr>
               <a:solidFill>
-                <a:schemeClr val="dk1">
-                  <a:tint val="88500"/>
-                </a:schemeClr>
+                <a:schemeClr val="accent1"/>
               </a:solidFill>
               <a:ln w="9525">
                 <a:solidFill>
-                  <a:schemeClr val="dk1">
-                    <a:tint val="88500"/>
-                  </a:schemeClr>
+                  <a:schemeClr val="accent1"/>
                 </a:solidFill>
               </a:ln>
               <a:effectLst/>
@@ -483,9 +477,7 @@
           <c:spPr>
             <a:ln w="28575" cap="rnd">
               <a:solidFill>
-                <a:schemeClr val="dk1">
-                  <a:tint val="55000"/>
-                </a:schemeClr>
+                <a:schemeClr val="accent3"/>
               </a:solidFill>
               <a:round/>
             </a:ln>
@@ -496,15 +488,11 @@
             <c:size val="5"/>
             <c:spPr>
               <a:solidFill>
-                <a:schemeClr val="dk1">
-                  <a:tint val="55000"/>
-                </a:schemeClr>
+                <a:schemeClr val="accent3"/>
               </a:solidFill>
               <a:ln w="9525">
                 <a:solidFill>
-                  <a:schemeClr val="dk1">
-                    <a:tint val="55000"/>
-                  </a:schemeClr>
+                  <a:schemeClr val="accent3"/>
                 </a:solidFill>
               </a:ln>
               <a:effectLst/>
@@ -824,10 +812,10 @@
   <c:roundedCorners val="0"/>
   <mc:AlternateContent xmlns:mc="http://schemas.openxmlformats.org/markup-compatibility/2006">
     <mc:Choice xmlns:c14="http://schemas.microsoft.com/office/drawing/2007/8/2/chart" Requires="c14">
-      <c14:style val="101"/>
+      <c14:style val="102"/>
     </mc:Choice>
     <mc:Fallback>
-      <c:style val="1"/>
+      <c:style val="2"/>
     </mc:Fallback>
   </mc:AlternateContent>
   <c:chart>
@@ -846,9 +834,7 @@
           <c:spPr>
             <a:ln w="28575" cap="rnd">
               <a:solidFill>
-                <a:schemeClr val="dk1">
-                  <a:tint val="88500"/>
-                </a:schemeClr>
+                <a:schemeClr val="accent1"/>
               </a:solidFill>
               <a:round/>
             </a:ln>
@@ -859,15 +845,11 @@
             <c:size val="5"/>
             <c:spPr>
               <a:solidFill>
-                <a:schemeClr val="dk1">
-                  <a:tint val="88500"/>
-                </a:schemeClr>
+                <a:schemeClr val="accent1"/>
               </a:solidFill>
               <a:ln w="9525">
                 <a:solidFill>
-                  <a:schemeClr val="dk1">
-                    <a:tint val="88500"/>
-                  </a:schemeClr>
+                  <a:schemeClr val="accent1"/>
                 </a:solidFill>
               </a:ln>
               <a:effectLst/>
@@ -943,9 +925,7 @@
           <c:spPr>
             <a:ln w="28575" cap="rnd">
               <a:solidFill>
-                <a:schemeClr val="dk1">
-                  <a:tint val="55000"/>
-                </a:schemeClr>
+                <a:schemeClr val="accent3"/>
               </a:solidFill>
               <a:round/>
             </a:ln>
@@ -956,15 +936,11 @@
             <c:size val="5"/>
             <c:spPr>
               <a:solidFill>
-                <a:schemeClr val="dk1">
-                  <a:tint val="55000"/>
-                </a:schemeClr>
+                <a:schemeClr val="accent3"/>
               </a:solidFill>
               <a:ln w="9525">
                 <a:solidFill>
-                  <a:schemeClr val="dk1">
-                    <a:tint val="55000"/>
-                  </a:schemeClr>
+                  <a:schemeClr val="accent3"/>
                 </a:solidFill>
               </a:ln>
               <a:effectLst/>
@@ -1284,10 +1260,10 @@
   <c:roundedCorners val="0"/>
   <mc:AlternateContent xmlns:mc="http://schemas.openxmlformats.org/markup-compatibility/2006">
     <mc:Choice xmlns:c14="http://schemas.microsoft.com/office/drawing/2007/8/2/chart" Requires="c14">
-      <c14:style val="101"/>
+      <c14:style val="102"/>
     </mc:Choice>
     <mc:Fallback>
-      <c:style val="1"/>
+      <c:style val="2"/>
     </mc:Fallback>
   </mc:AlternateContent>
   <c:chart>
@@ -1306,9 +1282,7 @@
           <c:spPr>
             <a:ln w="28575" cap="rnd">
               <a:solidFill>
-                <a:schemeClr val="dk1">
-                  <a:tint val="88500"/>
-                </a:schemeClr>
+                <a:schemeClr val="accent1"/>
               </a:solidFill>
               <a:round/>
             </a:ln>
@@ -1319,15 +1293,11 @@
             <c:size val="5"/>
             <c:spPr>
               <a:solidFill>
-                <a:schemeClr val="dk1">
-                  <a:tint val="88500"/>
-                </a:schemeClr>
+                <a:schemeClr val="accent1"/>
               </a:solidFill>
               <a:ln w="9525">
                 <a:solidFill>
-                  <a:schemeClr val="dk1">
-                    <a:tint val="88500"/>
-                  </a:schemeClr>
+                  <a:schemeClr val="accent1"/>
                 </a:solidFill>
               </a:ln>
               <a:effectLst/>
@@ -1403,9 +1373,7 @@
           <c:spPr>
             <a:ln w="28575" cap="rnd">
               <a:solidFill>
-                <a:schemeClr val="dk1">
-                  <a:tint val="55000"/>
-                </a:schemeClr>
+                <a:schemeClr val="accent3"/>
               </a:solidFill>
               <a:round/>
             </a:ln>
@@ -1416,15 +1384,11 @@
             <c:size val="5"/>
             <c:spPr>
               <a:solidFill>
-                <a:schemeClr val="dk1">
-                  <a:tint val="55000"/>
-                </a:schemeClr>
+                <a:schemeClr val="accent3"/>
               </a:solidFill>
               <a:ln w="9525">
                 <a:solidFill>
-                  <a:schemeClr val="dk1">
-                    <a:tint val="55000"/>
-                  </a:schemeClr>
+                  <a:schemeClr val="accent3"/>
                 </a:solidFill>
               </a:ln>
               <a:effectLst/>
@@ -1744,10 +1708,10 @@
   <c:roundedCorners val="0"/>
   <mc:AlternateContent xmlns:mc="http://schemas.openxmlformats.org/markup-compatibility/2006">
     <mc:Choice xmlns:c14="http://schemas.microsoft.com/office/drawing/2007/8/2/chart" Requires="c14">
-      <c14:style val="101"/>
+      <c14:style val="102"/>
     </mc:Choice>
     <mc:Fallback>
-      <c:style val="1"/>
+      <c:style val="2"/>
     </mc:Fallback>
   </mc:AlternateContent>
   <c:chart>
@@ -1766,9 +1730,7 @@
           <c:spPr>
             <a:ln w="28575" cap="rnd">
               <a:solidFill>
-                <a:schemeClr val="dk1">
-                  <a:tint val="88500"/>
-                </a:schemeClr>
+                <a:schemeClr val="accent1"/>
               </a:solidFill>
               <a:round/>
             </a:ln>
@@ -1779,15 +1741,11 @@
             <c:size val="5"/>
             <c:spPr>
               <a:solidFill>
-                <a:schemeClr val="dk1">
-                  <a:tint val="88500"/>
-                </a:schemeClr>
+                <a:schemeClr val="accent1"/>
               </a:solidFill>
               <a:ln w="9525">
                 <a:solidFill>
-                  <a:schemeClr val="dk1">
-                    <a:tint val="88500"/>
-                  </a:schemeClr>
+                  <a:schemeClr val="accent1"/>
                 </a:solidFill>
               </a:ln>
               <a:effectLst/>
@@ -1863,9 +1821,7 @@
           <c:spPr>
             <a:ln w="28575" cap="rnd">
               <a:solidFill>
-                <a:schemeClr val="dk1">
-                  <a:tint val="55000"/>
-                </a:schemeClr>
+                <a:schemeClr val="accent3"/>
               </a:solidFill>
               <a:round/>
             </a:ln>
@@ -1876,15 +1832,11 @@
             <c:size val="5"/>
             <c:spPr>
               <a:solidFill>
-                <a:schemeClr val="dk1">
-                  <a:tint val="55000"/>
-                </a:schemeClr>
+                <a:schemeClr val="accent3"/>
               </a:solidFill>
               <a:ln w="9525">
                 <a:solidFill>
-                  <a:schemeClr val="dk1">
-                    <a:tint val="55000"/>
-                  </a:schemeClr>
+                  <a:schemeClr val="accent3"/>
                 </a:solidFill>
               </a:ln>
               <a:effectLst/>
@@ -2204,10 +2156,10 @@
   <c:roundedCorners val="0"/>
   <mc:AlternateContent xmlns:mc="http://schemas.openxmlformats.org/markup-compatibility/2006">
     <mc:Choice xmlns:c14="http://schemas.microsoft.com/office/drawing/2007/8/2/chart" Requires="c14">
-      <c14:style val="101"/>
+      <c14:style val="102"/>
     </mc:Choice>
     <mc:Fallback>
-      <c:style val="1"/>
+      <c:style val="2"/>
     </mc:Fallback>
   </mc:AlternateContent>
   <c:chart>
@@ -2226,9 +2178,7 @@
           <c:spPr>
             <a:ln w="28575" cap="rnd">
               <a:solidFill>
-                <a:schemeClr val="dk1">
-                  <a:tint val="88500"/>
-                </a:schemeClr>
+                <a:schemeClr val="accent1"/>
               </a:solidFill>
               <a:round/>
             </a:ln>
@@ -2239,15 +2189,11 @@
             <c:size val="5"/>
             <c:spPr>
               <a:solidFill>
-                <a:schemeClr val="dk1">
-                  <a:tint val="88500"/>
-                </a:schemeClr>
+                <a:schemeClr val="accent1"/>
               </a:solidFill>
               <a:ln w="9525">
                 <a:solidFill>
-                  <a:schemeClr val="dk1">
-                    <a:tint val="88500"/>
-                  </a:schemeClr>
+                  <a:schemeClr val="accent1"/>
                 </a:solidFill>
               </a:ln>
               <a:effectLst/>
@@ -2377,9 +2323,7 @@
           <c:spPr>
             <a:ln w="28575" cap="rnd">
               <a:solidFill>
-                <a:schemeClr val="dk1">
-                  <a:tint val="55000"/>
-                </a:schemeClr>
+                <a:schemeClr val="accent3"/>
               </a:solidFill>
               <a:round/>
             </a:ln>
@@ -2390,15 +2334,11 @@
             <c:size val="5"/>
             <c:spPr>
               <a:solidFill>
-                <a:schemeClr val="dk1">
-                  <a:tint val="55000"/>
-                </a:schemeClr>
+                <a:schemeClr val="accent3"/>
               </a:solidFill>
               <a:ln w="9525">
                 <a:solidFill>
-                  <a:schemeClr val="dk1">
-                    <a:tint val="55000"/>
-                  </a:schemeClr>
+                  <a:schemeClr val="accent3"/>
                 </a:solidFill>
               </a:ln>
               <a:effectLst/>
@@ -2718,10 +2658,10 @@
   <c:roundedCorners val="0"/>
   <mc:AlternateContent xmlns:mc="http://schemas.openxmlformats.org/markup-compatibility/2006">
     <mc:Choice xmlns:c14="http://schemas.microsoft.com/office/drawing/2007/8/2/chart" Requires="c14">
-      <c14:style val="101"/>
+      <c14:style val="102"/>
     </mc:Choice>
     <mc:Fallback>
-      <c:style val="1"/>
+      <c:style val="2"/>
     </mc:Fallback>
   </mc:AlternateContent>
   <c:chart>
@@ -2740,9 +2680,7 @@
           <c:spPr>
             <a:ln w="28575" cap="rnd">
               <a:solidFill>
-                <a:schemeClr val="dk1">
-                  <a:tint val="88500"/>
-                </a:schemeClr>
+                <a:schemeClr val="accent1"/>
               </a:solidFill>
               <a:round/>
             </a:ln>
@@ -2753,15 +2691,11 @@
             <c:size val="5"/>
             <c:spPr>
               <a:solidFill>
-                <a:schemeClr val="dk1">
-                  <a:tint val="88500"/>
-                </a:schemeClr>
+                <a:schemeClr val="accent1"/>
               </a:solidFill>
               <a:ln w="9525">
                 <a:solidFill>
-                  <a:schemeClr val="dk1">
-                    <a:tint val="88500"/>
-                  </a:schemeClr>
+                  <a:schemeClr val="accent1"/>
                 </a:solidFill>
               </a:ln>
               <a:effectLst/>
@@ -2837,9 +2771,7 @@
           <c:spPr>
             <a:ln w="28575" cap="rnd">
               <a:solidFill>
-                <a:schemeClr val="dk1">
-                  <a:tint val="55000"/>
-                </a:schemeClr>
+                <a:schemeClr val="accent3"/>
               </a:solidFill>
               <a:round/>
             </a:ln>
@@ -2850,15 +2782,11 @@
             <c:size val="5"/>
             <c:spPr>
               <a:solidFill>
-                <a:schemeClr val="dk1">
-                  <a:tint val="55000"/>
-                </a:schemeClr>
+                <a:schemeClr val="accent3"/>
               </a:solidFill>
               <a:ln w="9525">
                 <a:solidFill>
-                  <a:schemeClr val="dk1">
-                    <a:tint val="55000"/>
-                  </a:schemeClr>
+                  <a:schemeClr val="accent3"/>
                 </a:solidFill>
               </a:ln>
               <a:effectLst/>
@@ -3178,10 +3106,10 @@
   <c:roundedCorners val="0"/>
   <mc:AlternateContent xmlns:mc="http://schemas.openxmlformats.org/markup-compatibility/2006">
     <mc:Choice xmlns:c14="http://schemas.microsoft.com/office/drawing/2007/8/2/chart" Requires="c14">
-      <c14:style val="101"/>
+      <c14:style val="102"/>
     </mc:Choice>
     <mc:Fallback>
-      <c:style val="1"/>
+      <c:style val="2"/>
     </mc:Fallback>
   </mc:AlternateContent>
   <c:chart>
@@ -3200,9 +3128,7 @@
           <c:spPr>
             <a:ln w="28575" cap="rnd">
               <a:solidFill>
-                <a:schemeClr val="dk1">
-                  <a:tint val="88500"/>
-                </a:schemeClr>
+                <a:schemeClr val="accent1"/>
               </a:solidFill>
               <a:round/>
             </a:ln>
@@ -3213,15 +3139,11 @@
             <c:size val="5"/>
             <c:spPr>
               <a:solidFill>
-                <a:schemeClr val="dk1">
-                  <a:tint val="88500"/>
-                </a:schemeClr>
+                <a:schemeClr val="accent1"/>
               </a:solidFill>
               <a:ln w="9525">
                 <a:solidFill>
-                  <a:schemeClr val="dk1">
-                    <a:tint val="88500"/>
-                  </a:schemeClr>
+                  <a:schemeClr val="accent1"/>
                 </a:solidFill>
               </a:ln>
               <a:effectLst/>
@@ -3297,9 +3219,7 @@
           <c:spPr>
             <a:ln w="28575" cap="rnd">
               <a:solidFill>
-                <a:schemeClr val="dk1">
-                  <a:tint val="55000"/>
-                </a:schemeClr>
+                <a:schemeClr val="accent3"/>
               </a:solidFill>
               <a:round/>
             </a:ln>
@@ -3310,15 +3230,11 @@
             <c:size val="5"/>
             <c:spPr>
               <a:solidFill>
-                <a:schemeClr val="dk1">
-                  <a:tint val="55000"/>
-                </a:schemeClr>
+                <a:schemeClr val="accent3"/>
               </a:solidFill>
               <a:ln w="9525">
                 <a:solidFill>
-                  <a:schemeClr val="dk1">
-                    <a:tint val="55000"/>
-                  </a:schemeClr>
+                  <a:schemeClr val="accent3"/>
                 </a:solidFill>
               </a:ln>
               <a:effectLst/>
@@ -3638,10 +3554,10 @@
   <c:roundedCorners val="0"/>
   <mc:AlternateContent xmlns:mc="http://schemas.openxmlformats.org/markup-compatibility/2006">
     <mc:Choice xmlns:c14="http://schemas.microsoft.com/office/drawing/2007/8/2/chart" Requires="c14">
-      <c14:style val="101"/>
+      <c14:style val="102"/>
     </mc:Choice>
     <mc:Fallback>
-      <c:style val="1"/>
+      <c:style val="2"/>
     </mc:Fallback>
   </mc:AlternateContent>
   <c:chart>
@@ -3660,9 +3576,7 @@
           <c:spPr>
             <a:ln w="28575" cap="rnd">
               <a:solidFill>
-                <a:schemeClr val="dk1">
-                  <a:tint val="88500"/>
-                </a:schemeClr>
+                <a:schemeClr val="accent1"/>
               </a:solidFill>
               <a:round/>
             </a:ln>
@@ -3673,15 +3587,11 @@
             <c:size val="5"/>
             <c:spPr>
               <a:solidFill>
-                <a:schemeClr val="dk1">
-                  <a:tint val="88500"/>
-                </a:schemeClr>
+                <a:schemeClr val="accent1"/>
               </a:solidFill>
               <a:ln w="9525">
                 <a:solidFill>
-                  <a:schemeClr val="dk1">
-                    <a:tint val="88500"/>
-                  </a:schemeClr>
+                  <a:schemeClr val="accent1"/>
                 </a:solidFill>
               </a:ln>
               <a:effectLst/>
@@ -3757,9 +3667,7 @@
           <c:spPr>
             <a:ln w="28575" cap="rnd">
               <a:solidFill>
-                <a:schemeClr val="dk1">
-                  <a:tint val="55000"/>
-                </a:schemeClr>
+                <a:schemeClr val="accent3"/>
               </a:solidFill>
               <a:round/>
             </a:ln>
@@ -3770,15 +3678,11 @@
             <c:size val="5"/>
             <c:spPr>
               <a:solidFill>
-                <a:schemeClr val="dk1">
-                  <a:tint val="55000"/>
-                </a:schemeClr>
+                <a:schemeClr val="accent3"/>
               </a:solidFill>
               <a:ln w="9525">
                 <a:solidFill>
-                  <a:schemeClr val="dk1">
-                    <a:tint val="55000"/>
-                  </a:schemeClr>
+                  <a:schemeClr val="accent3"/>
                 </a:solidFill>
               </a:ln>
               <a:effectLst/>
@@ -4098,10 +4002,10 @@
   <c:roundedCorners val="0"/>
   <mc:AlternateContent xmlns:mc="http://schemas.openxmlformats.org/markup-compatibility/2006">
     <mc:Choice xmlns:c14="http://schemas.microsoft.com/office/drawing/2007/8/2/chart" Requires="c14">
-      <c14:style val="101"/>
+      <c14:style val="102"/>
     </mc:Choice>
     <mc:Fallback>
-      <c:style val="1"/>
+      <c:style val="2"/>
     </mc:Fallback>
   </mc:AlternateContent>
   <c:chart>
@@ -4120,9 +4024,7 @@
           <c:spPr>
             <a:ln w="28575" cap="rnd">
               <a:solidFill>
-                <a:schemeClr val="dk1">
-                  <a:tint val="88500"/>
-                </a:schemeClr>
+                <a:schemeClr val="accent1"/>
               </a:solidFill>
               <a:round/>
             </a:ln>
@@ -4133,15 +4035,11 @@
             <c:size val="5"/>
             <c:spPr>
               <a:solidFill>
-                <a:schemeClr val="dk1">
-                  <a:tint val="88500"/>
-                </a:schemeClr>
+                <a:schemeClr val="accent1"/>
               </a:solidFill>
               <a:ln w="9525">
                 <a:solidFill>
-                  <a:schemeClr val="dk1">
-                    <a:tint val="88500"/>
-                  </a:schemeClr>
+                  <a:schemeClr val="accent1"/>
                 </a:solidFill>
               </a:ln>
               <a:effectLst/>
@@ -4217,9 +4115,7 @@
           <c:spPr>
             <a:ln w="28575" cap="rnd">
               <a:solidFill>
-                <a:schemeClr val="dk1">
-                  <a:tint val="55000"/>
-                </a:schemeClr>
+                <a:schemeClr val="accent3"/>
               </a:solidFill>
               <a:round/>
             </a:ln>
@@ -4230,15 +4126,11 @@
             <c:size val="5"/>
             <c:spPr>
               <a:solidFill>
-                <a:schemeClr val="dk1">
-                  <a:tint val="55000"/>
-                </a:schemeClr>
+                <a:schemeClr val="accent3"/>
               </a:solidFill>
               <a:ln w="9525">
                 <a:solidFill>
-                  <a:schemeClr val="dk1">
-                    <a:tint val="55000"/>
-                  </a:schemeClr>
+                  <a:schemeClr val="accent3"/>
                 </a:solidFill>
               </a:ln>
               <a:effectLst/>
@@ -4558,10 +4450,10 @@
   <c:roundedCorners val="0"/>
   <mc:AlternateContent xmlns:mc="http://schemas.openxmlformats.org/markup-compatibility/2006">
     <mc:Choice xmlns:c14="http://schemas.microsoft.com/office/drawing/2007/8/2/chart" Requires="c14">
-      <c14:style val="101"/>
+      <c14:style val="102"/>
     </mc:Choice>
     <mc:Fallback>
-      <c:style val="1"/>
+      <c:style val="2"/>
     </mc:Fallback>
   </mc:AlternateContent>
   <c:chart>
@@ -4580,9 +4472,7 @@
           <c:spPr>
             <a:ln w="28575" cap="rnd">
               <a:solidFill>
-                <a:schemeClr val="dk1">
-                  <a:tint val="88500"/>
-                </a:schemeClr>
+                <a:schemeClr val="accent1"/>
               </a:solidFill>
               <a:round/>
             </a:ln>
@@ -4593,15 +4483,11 @@
             <c:size val="5"/>
             <c:spPr>
               <a:solidFill>
-                <a:schemeClr val="dk1">
-                  <a:tint val="88500"/>
-                </a:schemeClr>
+                <a:schemeClr val="accent1"/>
               </a:solidFill>
               <a:ln w="9525">
                 <a:solidFill>
-                  <a:schemeClr val="dk1">
-                    <a:tint val="88500"/>
-                  </a:schemeClr>
+                  <a:schemeClr val="accent1"/>
                 </a:solidFill>
               </a:ln>
               <a:effectLst/>
@@ -4677,9 +4563,7 @@
           <c:spPr>
             <a:ln w="28575" cap="rnd">
               <a:solidFill>
-                <a:schemeClr val="dk1">
-                  <a:tint val="55000"/>
-                </a:schemeClr>
+                <a:schemeClr val="accent3"/>
               </a:solidFill>
               <a:round/>
             </a:ln>
@@ -4690,15 +4574,11 @@
             <c:size val="5"/>
             <c:spPr>
               <a:solidFill>
-                <a:schemeClr val="dk1">
-                  <a:tint val="55000"/>
-                </a:schemeClr>
+                <a:schemeClr val="accent3"/>
               </a:solidFill>
               <a:ln w="9525">
                 <a:solidFill>
-                  <a:schemeClr val="dk1">
-                    <a:tint val="55000"/>
-                  </a:schemeClr>
+                  <a:schemeClr val="accent3"/>
                 </a:solidFill>
               </a:ln>
               <a:effectLst/>
@@ -5018,10 +4898,10 @@
   <c:roundedCorners val="0"/>
   <mc:AlternateContent xmlns:mc="http://schemas.openxmlformats.org/markup-compatibility/2006">
     <mc:Choice xmlns:c14="http://schemas.microsoft.com/office/drawing/2007/8/2/chart" Requires="c14">
-      <c14:style val="101"/>
+      <c14:style val="102"/>
     </mc:Choice>
     <mc:Fallback>
-      <c:style val="1"/>
+      <c:style val="2"/>
     </mc:Fallback>
   </mc:AlternateContent>
   <c:chart>
@@ -5040,9 +4920,7 @@
           <c:spPr>
             <a:ln w="28575" cap="rnd">
               <a:solidFill>
-                <a:schemeClr val="dk1">
-                  <a:tint val="88500"/>
-                </a:schemeClr>
+                <a:schemeClr val="accent1"/>
               </a:solidFill>
               <a:round/>
             </a:ln>
@@ -5053,15 +4931,11 @@
             <c:size val="5"/>
             <c:spPr>
               <a:solidFill>
-                <a:schemeClr val="dk1">
-                  <a:tint val="88500"/>
-                </a:schemeClr>
+                <a:schemeClr val="accent1"/>
               </a:solidFill>
               <a:ln w="9525">
                 <a:solidFill>
-                  <a:schemeClr val="dk1">
-                    <a:tint val="88500"/>
-                  </a:schemeClr>
+                  <a:schemeClr val="accent1"/>
                 </a:solidFill>
               </a:ln>
               <a:effectLst/>
@@ -5137,9 +5011,7 @@
           <c:spPr>
             <a:ln w="28575" cap="rnd">
               <a:solidFill>
-                <a:schemeClr val="dk1">
-                  <a:tint val="55000"/>
-                </a:schemeClr>
+                <a:schemeClr val="accent3"/>
               </a:solidFill>
               <a:round/>
             </a:ln>
@@ -5150,15 +5022,11 @@
             <c:size val="5"/>
             <c:spPr>
               <a:solidFill>
-                <a:schemeClr val="dk1">
-                  <a:tint val="55000"/>
-                </a:schemeClr>
+                <a:schemeClr val="accent3"/>
               </a:solidFill>
               <a:ln w="9525">
                 <a:solidFill>
-                  <a:schemeClr val="dk1">
-                    <a:tint val="55000"/>
-                  </a:schemeClr>
+                  <a:schemeClr val="accent3"/>
                 </a:solidFill>
               </a:ln>
               <a:effectLst/>
@@ -5478,10 +5346,10 @@
   <c:roundedCorners val="0"/>
   <mc:AlternateContent xmlns:mc="http://schemas.openxmlformats.org/markup-compatibility/2006">
     <mc:Choice xmlns:c14="http://schemas.microsoft.com/office/drawing/2007/8/2/chart" Requires="c14">
-      <c14:style val="101"/>
+      <c14:style val="102"/>
     </mc:Choice>
     <mc:Fallback>
-      <c:style val="1"/>
+      <c:style val="2"/>
     </mc:Fallback>
   </mc:AlternateContent>
   <c:chart>
@@ -5500,9 +5368,7 @@
           <c:spPr>
             <a:ln w="28575" cap="rnd">
               <a:solidFill>
-                <a:schemeClr val="dk1">
-                  <a:tint val="88500"/>
-                </a:schemeClr>
+                <a:schemeClr val="accent1"/>
               </a:solidFill>
               <a:round/>
             </a:ln>
@@ -5513,15 +5379,11 @@
             <c:size val="5"/>
             <c:spPr>
               <a:solidFill>
-                <a:schemeClr val="dk1">
-                  <a:tint val="88500"/>
-                </a:schemeClr>
+                <a:schemeClr val="accent1"/>
               </a:solidFill>
               <a:ln w="9525">
                 <a:solidFill>
-                  <a:schemeClr val="dk1">
-                    <a:tint val="88500"/>
-                  </a:schemeClr>
+                  <a:schemeClr val="accent1"/>
                 </a:solidFill>
               </a:ln>
               <a:effectLst/>
@@ -5597,9 +5459,7 @@
           <c:spPr>
             <a:ln w="28575" cap="rnd">
               <a:solidFill>
-                <a:schemeClr val="dk1">
-                  <a:tint val="55000"/>
-                </a:schemeClr>
+                <a:schemeClr val="accent3"/>
               </a:solidFill>
               <a:round/>
             </a:ln>
@@ -5610,15 +5470,11 @@
             <c:size val="5"/>
             <c:spPr>
               <a:solidFill>
-                <a:schemeClr val="dk1">
-                  <a:tint val="55000"/>
-                </a:schemeClr>
+                <a:schemeClr val="accent3"/>
               </a:solidFill>
               <a:ln w="9525">
                 <a:solidFill>
-                  <a:schemeClr val="dk1">
-                    <a:tint val="55000"/>
-                  </a:schemeClr>
+                  <a:schemeClr val="accent3"/>
                 </a:solidFill>
               </a:ln>
               <a:effectLst/>
@@ -5932,325 +5788,445 @@
 </file>
 
 <file path=ppt/charts/colors1.xml><?xml version="1.0" encoding="utf-8"?>
-<cs:colorStyle xmlns:cs="http://schemas.microsoft.com/office/drawing/2012/chartStyle" xmlns:a="http://schemas.openxmlformats.org/drawingml/2006/main" meth="cycle" id="20">
-  <a:schemeClr val="dk1"/>
+<cs:colorStyle xmlns:cs="http://schemas.microsoft.com/office/drawing/2012/chartStyle" xmlns:a="http://schemas.openxmlformats.org/drawingml/2006/main" meth="cycle" id="11">
+  <a:schemeClr val="accent1"/>
+  <a:schemeClr val="accent3"/>
+  <a:schemeClr val="accent5"/>
+  <cs:variation/>
   <cs:variation>
-    <a:tint val="88500"/>
+    <a:lumMod val="60000"/>
   </cs:variation>
   <cs:variation>
-    <a:tint val="55000"/>
+    <a:lumMod val="80000"/>
+    <a:lumOff val="20000"/>
   </cs:variation>
   <cs:variation>
-    <a:tint val="75000"/>
+    <a:lumMod val="80000"/>
   </cs:variation>
   <cs:variation>
-    <a:tint val="98500"/>
+    <a:lumMod val="60000"/>
+    <a:lumOff val="40000"/>
   </cs:variation>
   <cs:variation>
-    <a:tint val="30000"/>
+    <a:lumMod val="50000"/>
   </cs:variation>
   <cs:variation>
-    <a:tint val="60000"/>
+    <a:lumMod val="70000"/>
+    <a:lumOff val="30000"/>
   </cs:variation>
   <cs:variation>
-    <a:tint val="80000"/>
+    <a:lumMod val="70000"/>
+  </cs:variation>
+  <cs:variation>
+    <a:lumMod val="50000"/>
+    <a:lumOff val="50000"/>
   </cs:variation>
 </cs:colorStyle>
 </file>
 
 <file path=ppt/charts/colors10.xml><?xml version="1.0" encoding="utf-8"?>
-<cs:colorStyle xmlns:cs="http://schemas.microsoft.com/office/drawing/2012/chartStyle" xmlns:a="http://schemas.openxmlformats.org/drawingml/2006/main" meth="cycle" id="20">
-  <a:schemeClr val="dk1"/>
+<cs:colorStyle xmlns:cs="http://schemas.microsoft.com/office/drawing/2012/chartStyle" xmlns:a="http://schemas.openxmlformats.org/drawingml/2006/main" meth="cycle" id="11">
+  <a:schemeClr val="accent1"/>
+  <a:schemeClr val="accent3"/>
+  <a:schemeClr val="accent5"/>
+  <cs:variation/>
   <cs:variation>
-    <a:tint val="88500"/>
+    <a:lumMod val="60000"/>
   </cs:variation>
   <cs:variation>
-    <a:tint val="55000"/>
+    <a:lumMod val="80000"/>
+    <a:lumOff val="20000"/>
   </cs:variation>
   <cs:variation>
-    <a:tint val="75000"/>
+    <a:lumMod val="80000"/>
   </cs:variation>
   <cs:variation>
-    <a:tint val="98500"/>
+    <a:lumMod val="60000"/>
+    <a:lumOff val="40000"/>
   </cs:variation>
   <cs:variation>
-    <a:tint val="30000"/>
+    <a:lumMod val="50000"/>
   </cs:variation>
   <cs:variation>
-    <a:tint val="60000"/>
+    <a:lumMod val="70000"/>
+    <a:lumOff val="30000"/>
   </cs:variation>
   <cs:variation>
-    <a:tint val="80000"/>
+    <a:lumMod val="70000"/>
+  </cs:variation>
+  <cs:variation>
+    <a:lumMod val="50000"/>
+    <a:lumOff val="50000"/>
   </cs:variation>
 </cs:colorStyle>
 </file>
 
 <file path=ppt/charts/colors11.xml><?xml version="1.0" encoding="utf-8"?>
-<cs:colorStyle xmlns:cs="http://schemas.microsoft.com/office/drawing/2012/chartStyle" xmlns:a="http://schemas.openxmlformats.org/drawingml/2006/main" meth="cycle" id="20">
-  <a:schemeClr val="dk1"/>
+<cs:colorStyle xmlns:cs="http://schemas.microsoft.com/office/drawing/2012/chartStyle" xmlns:a="http://schemas.openxmlformats.org/drawingml/2006/main" meth="cycle" id="11">
+  <a:schemeClr val="accent1"/>
+  <a:schemeClr val="accent3"/>
+  <a:schemeClr val="accent5"/>
+  <cs:variation/>
   <cs:variation>
-    <a:tint val="88500"/>
+    <a:lumMod val="60000"/>
   </cs:variation>
   <cs:variation>
-    <a:tint val="55000"/>
+    <a:lumMod val="80000"/>
+    <a:lumOff val="20000"/>
   </cs:variation>
   <cs:variation>
-    <a:tint val="75000"/>
+    <a:lumMod val="80000"/>
   </cs:variation>
   <cs:variation>
-    <a:tint val="98500"/>
+    <a:lumMod val="60000"/>
+    <a:lumOff val="40000"/>
   </cs:variation>
   <cs:variation>
-    <a:tint val="30000"/>
+    <a:lumMod val="50000"/>
   </cs:variation>
   <cs:variation>
-    <a:tint val="60000"/>
+    <a:lumMod val="70000"/>
+    <a:lumOff val="30000"/>
   </cs:variation>
   <cs:variation>
-    <a:tint val="80000"/>
+    <a:lumMod val="70000"/>
+  </cs:variation>
+  <cs:variation>
+    <a:lumMod val="50000"/>
+    <a:lumOff val="50000"/>
   </cs:variation>
 </cs:colorStyle>
 </file>
 
 <file path=ppt/charts/colors12.xml><?xml version="1.0" encoding="utf-8"?>
-<cs:colorStyle xmlns:cs="http://schemas.microsoft.com/office/drawing/2012/chartStyle" xmlns:a="http://schemas.openxmlformats.org/drawingml/2006/main" meth="cycle" id="20">
-  <a:schemeClr val="dk1"/>
+<cs:colorStyle xmlns:cs="http://schemas.microsoft.com/office/drawing/2012/chartStyle" xmlns:a="http://schemas.openxmlformats.org/drawingml/2006/main" meth="cycle" id="11">
+  <a:schemeClr val="accent1"/>
+  <a:schemeClr val="accent3"/>
+  <a:schemeClr val="accent5"/>
+  <cs:variation/>
   <cs:variation>
-    <a:tint val="88500"/>
+    <a:lumMod val="60000"/>
   </cs:variation>
   <cs:variation>
-    <a:tint val="55000"/>
+    <a:lumMod val="80000"/>
+    <a:lumOff val="20000"/>
   </cs:variation>
   <cs:variation>
-    <a:tint val="75000"/>
+    <a:lumMod val="80000"/>
   </cs:variation>
   <cs:variation>
-    <a:tint val="98500"/>
+    <a:lumMod val="60000"/>
+    <a:lumOff val="40000"/>
   </cs:variation>
   <cs:variation>
-    <a:tint val="30000"/>
+    <a:lumMod val="50000"/>
   </cs:variation>
   <cs:variation>
-    <a:tint val="60000"/>
+    <a:lumMod val="70000"/>
+    <a:lumOff val="30000"/>
   </cs:variation>
   <cs:variation>
-    <a:tint val="80000"/>
+    <a:lumMod val="70000"/>
+  </cs:variation>
+  <cs:variation>
+    <a:lumMod val="50000"/>
+    <a:lumOff val="50000"/>
   </cs:variation>
 </cs:colorStyle>
 </file>
 
 <file path=ppt/charts/colors2.xml><?xml version="1.0" encoding="utf-8"?>
-<cs:colorStyle xmlns:cs="http://schemas.microsoft.com/office/drawing/2012/chartStyle" xmlns:a="http://schemas.openxmlformats.org/drawingml/2006/main" meth="cycle" id="20">
-  <a:schemeClr val="dk1"/>
+<cs:colorStyle xmlns:cs="http://schemas.microsoft.com/office/drawing/2012/chartStyle" xmlns:a="http://schemas.openxmlformats.org/drawingml/2006/main" meth="cycle" id="11">
+  <a:schemeClr val="accent1"/>
+  <a:schemeClr val="accent3"/>
+  <a:schemeClr val="accent5"/>
+  <cs:variation/>
   <cs:variation>
-    <a:tint val="88500"/>
+    <a:lumMod val="60000"/>
   </cs:variation>
   <cs:variation>
-    <a:tint val="55000"/>
+    <a:lumMod val="80000"/>
+    <a:lumOff val="20000"/>
   </cs:variation>
   <cs:variation>
-    <a:tint val="75000"/>
+    <a:lumMod val="80000"/>
   </cs:variation>
   <cs:variation>
-    <a:tint val="98500"/>
+    <a:lumMod val="60000"/>
+    <a:lumOff val="40000"/>
   </cs:variation>
   <cs:variation>
-    <a:tint val="30000"/>
+    <a:lumMod val="50000"/>
   </cs:variation>
   <cs:variation>
-    <a:tint val="60000"/>
+    <a:lumMod val="70000"/>
+    <a:lumOff val="30000"/>
   </cs:variation>
   <cs:variation>
-    <a:tint val="80000"/>
+    <a:lumMod val="70000"/>
+  </cs:variation>
+  <cs:variation>
+    <a:lumMod val="50000"/>
+    <a:lumOff val="50000"/>
   </cs:variation>
 </cs:colorStyle>
 </file>
 
 <file path=ppt/charts/colors3.xml><?xml version="1.0" encoding="utf-8"?>
-<cs:colorStyle xmlns:cs="http://schemas.microsoft.com/office/drawing/2012/chartStyle" xmlns:a="http://schemas.openxmlformats.org/drawingml/2006/main" meth="cycle" id="20">
-  <a:schemeClr val="dk1"/>
+<cs:colorStyle xmlns:cs="http://schemas.microsoft.com/office/drawing/2012/chartStyle" xmlns:a="http://schemas.openxmlformats.org/drawingml/2006/main" meth="cycle" id="11">
+  <a:schemeClr val="accent1"/>
+  <a:schemeClr val="accent3"/>
+  <a:schemeClr val="accent5"/>
+  <cs:variation/>
   <cs:variation>
-    <a:tint val="88500"/>
+    <a:lumMod val="60000"/>
   </cs:variation>
   <cs:variation>
-    <a:tint val="55000"/>
+    <a:lumMod val="80000"/>
+    <a:lumOff val="20000"/>
   </cs:variation>
   <cs:variation>
-    <a:tint val="75000"/>
+    <a:lumMod val="80000"/>
   </cs:variation>
   <cs:variation>
-    <a:tint val="98500"/>
+    <a:lumMod val="60000"/>
+    <a:lumOff val="40000"/>
   </cs:variation>
   <cs:variation>
-    <a:tint val="30000"/>
+    <a:lumMod val="50000"/>
   </cs:variation>
   <cs:variation>
-    <a:tint val="60000"/>
+    <a:lumMod val="70000"/>
+    <a:lumOff val="30000"/>
   </cs:variation>
   <cs:variation>
-    <a:tint val="80000"/>
+    <a:lumMod val="70000"/>
+  </cs:variation>
+  <cs:variation>
+    <a:lumMod val="50000"/>
+    <a:lumOff val="50000"/>
   </cs:variation>
 </cs:colorStyle>
 </file>
 
 <file path=ppt/charts/colors4.xml><?xml version="1.0" encoding="utf-8"?>
-<cs:colorStyle xmlns:cs="http://schemas.microsoft.com/office/drawing/2012/chartStyle" xmlns:a="http://schemas.openxmlformats.org/drawingml/2006/main" meth="cycle" id="20">
-  <a:schemeClr val="dk1"/>
+<cs:colorStyle xmlns:cs="http://schemas.microsoft.com/office/drawing/2012/chartStyle" xmlns:a="http://schemas.openxmlformats.org/drawingml/2006/main" meth="cycle" id="11">
+  <a:schemeClr val="accent1"/>
+  <a:schemeClr val="accent3"/>
+  <a:schemeClr val="accent5"/>
+  <cs:variation/>
   <cs:variation>
-    <a:tint val="88500"/>
+    <a:lumMod val="60000"/>
   </cs:variation>
   <cs:variation>
-    <a:tint val="55000"/>
+    <a:lumMod val="80000"/>
+    <a:lumOff val="20000"/>
   </cs:variation>
   <cs:variation>
-    <a:tint val="75000"/>
+    <a:lumMod val="80000"/>
   </cs:variation>
   <cs:variation>
-    <a:tint val="98500"/>
+    <a:lumMod val="60000"/>
+    <a:lumOff val="40000"/>
   </cs:variation>
   <cs:variation>
-    <a:tint val="30000"/>
+    <a:lumMod val="50000"/>
   </cs:variation>
   <cs:variation>
-    <a:tint val="60000"/>
+    <a:lumMod val="70000"/>
+    <a:lumOff val="30000"/>
   </cs:variation>
   <cs:variation>
-    <a:tint val="80000"/>
+    <a:lumMod val="70000"/>
+  </cs:variation>
+  <cs:variation>
+    <a:lumMod val="50000"/>
+    <a:lumOff val="50000"/>
   </cs:variation>
 </cs:colorStyle>
 </file>
 
 <file path=ppt/charts/colors5.xml><?xml version="1.0" encoding="utf-8"?>
-<cs:colorStyle xmlns:cs="http://schemas.microsoft.com/office/drawing/2012/chartStyle" xmlns:a="http://schemas.openxmlformats.org/drawingml/2006/main" meth="cycle" id="20">
-  <a:schemeClr val="dk1"/>
+<cs:colorStyle xmlns:cs="http://schemas.microsoft.com/office/drawing/2012/chartStyle" xmlns:a="http://schemas.openxmlformats.org/drawingml/2006/main" meth="cycle" id="11">
+  <a:schemeClr val="accent1"/>
+  <a:schemeClr val="accent3"/>
+  <a:schemeClr val="accent5"/>
+  <cs:variation/>
   <cs:variation>
-    <a:tint val="88500"/>
+    <a:lumMod val="60000"/>
   </cs:variation>
   <cs:variation>
-    <a:tint val="55000"/>
+    <a:lumMod val="80000"/>
+    <a:lumOff val="20000"/>
   </cs:variation>
   <cs:variation>
-    <a:tint val="75000"/>
+    <a:lumMod val="80000"/>
   </cs:variation>
   <cs:variation>
-    <a:tint val="98500"/>
+    <a:lumMod val="60000"/>
+    <a:lumOff val="40000"/>
   </cs:variation>
   <cs:variation>
-    <a:tint val="30000"/>
+    <a:lumMod val="50000"/>
   </cs:variation>
   <cs:variation>
-    <a:tint val="60000"/>
+    <a:lumMod val="70000"/>
+    <a:lumOff val="30000"/>
   </cs:variation>
   <cs:variation>
-    <a:tint val="80000"/>
+    <a:lumMod val="70000"/>
+  </cs:variation>
+  <cs:variation>
+    <a:lumMod val="50000"/>
+    <a:lumOff val="50000"/>
   </cs:variation>
 </cs:colorStyle>
 </file>
 
 <file path=ppt/charts/colors6.xml><?xml version="1.0" encoding="utf-8"?>
-<cs:colorStyle xmlns:cs="http://schemas.microsoft.com/office/drawing/2012/chartStyle" xmlns:a="http://schemas.openxmlformats.org/drawingml/2006/main" meth="cycle" id="20">
-  <a:schemeClr val="dk1"/>
+<cs:colorStyle xmlns:cs="http://schemas.microsoft.com/office/drawing/2012/chartStyle" xmlns:a="http://schemas.openxmlformats.org/drawingml/2006/main" meth="cycle" id="11">
+  <a:schemeClr val="accent1"/>
+  <a:schemeClr val="accent3"/>
+  <a:schemeClr val="accent5"/>
+  <cs:variation/>
   <cs:variation>
-    <a:tint val="88500"/>
+    <a:lumMod val="60000"/>
   </cs:variation>
   <cs:variation>
-    <a:tint val="55000"/>
+    <a:lumMod val="80000"/>
+    <a:lumOff val="20000"/>
   </cs:variation>
   <cs:variation>
-    <a:tint val="75000"/>
+    <a:lumMod val="80000"/>
   </cs:variation>
   <cs:variation>
-    <a:tint val="98500"/>
+    <a:lumMod val="60000"/>
+    <a:lumOff val="40000"/>
   </cs:variation>
   <cs:variation>
-    <a:tint val="30000"/>
+    <a:lumMod val="50000"/>
   </cs:variation>
   <cs:variation>
-    <a:tint val="60000"/>
+    <a:lumMod val="70000"/>
+    <a:lumOff val="30000"/>
   </cs:variation>
   <cs:variation>
-    <a:tint val="80000"/>
+    <a:lumMod val="70000"/>
+  </cs:variation>
+  <cs:variation>
+    <a:lumMod val="50000"/>
+    <a:lumOff val="50000"/>
   </cs:variation>
 </cs:colorStyle>
 </file>
 
 <file path=ppt/charts/colors7.xml><?xml version="1.0" encoding="utf-8"?>
-<cs:colorStyle xmlns:cs="http://schemas.microsoft.com/office/drawing/2012/chartStyle" xmlns:a="http://schemas.openxmlformats.org/drawingml/2006/main" meth="cycle" id="20">
-  <a:schemeClr val="dk1"/>
+<cs:colorStyle xmlns:cs="http://schemas.microsoft.com/office/drawing/2012/chartStyle" xmlns:a="http://schemas.openxmlformats.org/drawingml/2006/main" meth="cycle" id="11">
+  <a:schemeClr val="accent1"/>
+  <a:schemeClr val="accent3"/>
+  <a:schemeClr val="accent5"/>
+  <cs:variation/>
   <cs:variation>
-    <a:tint val="88500"/>
+    <a:lumMod val="60000"/>
   </cs:variation>
   <cs:variation>
-    <a:tint val="55000"/>
+    <a:lumMod val="80000"/>
+    <a:lumOff val="20000"/>
   </cs:variation>
   <cs:variation>
-    <a:tint val="75000"/>
+    <a:lumMod val="80000"/>
   </cs:variation>
   <cs:variation>
-    <a:tint val="98500"/>
+    <a:lumMod val="60000"/>
+    <a:lumOff val="40000"/>
   </cs:variation>
   <cs:variation>
-    <a:tint val="30000"/>
+    <a:lumMod val="50000"/>
   </cs:variation>
   <cs:variation>
-    <a:tint val="60000"/>
+    <a:lumMod val="70000"/>
+    <a:lumOff val="30000"/>
   </cs:variation>
   <cs:variation>
-    <a:tint val="80000"/>
+    <a:lumMod val="70000"/>
+  </cs:variation>
+  <cs:variation>
+    <a:lumMod val="50000"/>
+    <a:lumOff val="50000"/>
   </cs:variation>
 </cs:colorStyle>
 </file>
 
 <file path=ppt/charts/colors8.xml><?xml version="1.0" encoding="utf-8"?>
-<cs:colorStyle xmlns:cs="http://schemas.microsoft.com/office/drawing/2012/chartStyle" xmlns:a="http://schemas.openxmlformats.org/drawingml/2006/main" meth="cycle" id="20">
-  <a:schemeClr val="dk1"/>
+<cs:colorStyle xmlns:cs="http://schemas.microsoft.com/office/drawing/2012/chartStyle" xmlns:a="http://schemas.openxmlformats.org/drawingml/2006/main" meth="cycle" id="11">
+  <a:schemeClr val="accent1"/>
+  <a:schemeClr val="accent3"/>
+  <a:schemeClr val="accent5"/>
+  <cs:variation/>
   <cs:variation>
-    <a:tint val="88500"/>
+    <a:lumMod val="60000"/>
   </cs:variation>
   <cs:variation>
-    <a:tint val="55000"/>
+    <a:lumMod val="80000"/>
+    <a:lumOff val="20000"/>
   </cs:variation>
   <cs:variation>
-    <a:tint val="75000"/>
+    <a:lumMod val="80000"/>
   </cs:variation>
   <cs:variation>
-    <a:tint val="98500"/>
+    <a:lumMod val="60000"/>
+    <a:lumOff val="40000"/>
   </cs:variation>
   <cs:variation>
-    <a:tint val="30000"/>
+    <a:lumMod val="50000"/>
   </cs:variation>
   <cs:variation>
-    <a:tint val="60000"/>
+    <a:lumMod val="70000"/>
+    <a:lumOff val="30000"/>
   </cs:variation>
   <cs:variation>
-    <a:tint val="80000"/>
+    <a:lumMod val="70000"/>
+  </cs:variation>
+  <cs:variation>
+    <a:lumMod val="50000"/>
+    <a:lumOff val="50000"/>
   </cs:variation>
 </cs:colorStyle>
 </file>
 
 <file path=ppt/charts/colors9.xml><?xml version="1.0" encoding="utf-8"?>
-<cs:colorStyle xmlns:cs="http://schemas.microsoft.com/office/drawing/2012/chartStyle" xmlns:a="http://schemas.openxmlformats.org/drawingml/2006/main" meth="cycle" id="20">
-  <a:schemeClr val="dk1"/>
+<cs:colorStyle xmlns:cs="http://schemas.microsoft.com/office/drawing/2012/chartStyle" xmlns:a="http://schemas.openxmlformats.org/drawingml/2006/main" meth="cycle" id="11">
+  <a:schemeClr val="accent1"/>
+  <a:schemeClr val="accent3"/>
+  <a:schemeClr val="accent5"/>
+  <cs:variation/>
   <cs:variation>
-    <a:tint val="88500"/>
+    <a:lumMod val="60000"/>
   </cs:variation>
   <cs:variation>
-    <a:tint val="55000"/>
+    <a:lumMod val="80000"/>
+    <a:lumOff val="20000"/>
   </cs:variation>
   <cs:variation>
-    <a:tint val="75000"/>
+    <a:lumMod val="80000"/>
   </cs:variation>
   <cs:variation>
-    <a:tint val="98500"/>
+    <a:lumMod val="60000"/>
+    <a:lumOff val="40000"/>
   </cs:variation>
   <cs:variation>
-    <a:tint val="30000"/>
+    <a:lumMod val="50000"/>
   </cs:variation>
   <cs:variation>
-    <a:tint val="60000"/>
+    <a:lumMod val="70000"/>
+    <a:lumOff val="30000"/>
   </cs:variation>
   <cs:variation>
-    <a:tint val="80000"/>
+    <a:lumMod val="70000"/>
+  </cs:variation>
+  <cs:variation>
+    <a:lumMod val="50000"/>
+    <a:lumOff val="50000"/>
   </cs:variation>
 </cs:colorStyle>
 </file>
@@ -16069,8 +16045,8 @@
         </p:nvSpPr>
         <p:spPr>
           <a:xfrm>
-            <a:off x="381300" y="685800"/>
-            <a:ext cx="6096075" cy="3429000"/>
+            <a:off x="381000" y="685800"/>
+            <a:ext cx="6096000" cy="3429000"/>
           </a:xfrm>
           <a:custGeom>
             <a:avLst/>
@@ -28159,92 +28135,6 @@
   <p:clrMapOvr>
     <a:masterClrMapping/>
   </p:clrMapOvr>
-  <p:timing>
-    <p:tnLst>
-      <p:par>
-        <p:cTn id="1" dur="indefinite" restart="never" nodeType="tmRoot">
-          <p:childTnLst>
-            <p:seq concurrent="1" nextAc="seek">
-              <p:cTn id="2" dur="indefinite" nodeType="mainSeq">
-                <p:childTnLst>
-                  <p:par>
-                    <p:cTn id="3" fill="hold">
-                      <p:stCondLst>
-                        <p:cond delay="indefinite"/>
-                        <p:cond evt="onBegin" delay="0">
-                          <p:tn val="2"/>
-                        </p:cond>
-                      </p:stCondLst>
-                      <p:childTnLst>
-                        <p:par>
-                          <p:cTn id="4" fill="hold">
-                            <p:stCondLst>
-                              <p:cond delay="0"/>
-                            </p:stCondLst>
-                            <p:childTnLst>
-                              <p:par>
-                                <p:cTn id="5" presetID="10" presetClass="entr" presetSubtype="0" fill="hold" nodeType="withEffect">
-                                  <p:stCondLst>
-                                    <p:cond delay="0"/>
-                                  </p:stCondLst>
-                                  <p:childTnLst>
-                                    <p:set>
-                                      <p:cBhvr>
-                                        <p:cTn id="6" dur="1" fill="hold">
-                                          <p:stCondLst>
-                                            <p:cond delay="0"/>
-                                          </p:stCondLst>
-                                        </p:cTn>
-                                        <p:tgtEl>
-                                          <p:spTgt spid="194"/>
-                                        </p:tgtEl>
-                                        <p:attrNameLst>
-                                          <p:attrName>style.visibility</p:attrName>
-                                        </p:attrNameLst>
-                                      </p:cBhvr>
-                                      <p:to>
-                                        <p:strVal val="visible"/>
-                                      </p:to>
-                                    </p:set>
-                                    <p:animEffect transition="in" filter="fade">
-                                      <p:cBhvr>
-                                        <p:cTn id="7" dur="5000"/>
-                                        <p:tgtEl>
-                                          <p:spTgt spid="194"/>
-                                        </p:tgtEl>
-                                      </p:cBhvr>
-                                    </p:animEffect>
-                                  </p:childTnLst>
-                                </p:cTn>
-                              </p:par>
-                            </p:childTnLst>
-                          </p:cTn>
-                        </p:par>
-                      </p:childTnLst>
-                    </p:cTn>
-                  </p:par>
-                </p:childTnLst>
-              </p:cTn>
-              <p:prevCondLst>
-                <p:cond evt="onPrev" delay="0">
-                  <p:tgtEl>
-                    <p:sldTgt/>
-                  </p:tgtEl>
-                </p:cond>
-              </p:prevCondLst>
-              <p:nextCondLst>
-                <p:cond evt="onNext" delay="0">
-                  <p:tgtEl>
-                    <p:sldTgt/>
-                  </p:tgtEl>
-                </p:cond>
-              </p:nextCondLst>
-            </p:seq>
-          </p:childTnLst>
-        </p:cTn>
-      </p:par>
-    </p:tnLst>
-  </p:timing>
 </p:sld>
 </file>
 
@@ -28524,92 +28414,6 @@
   <p:clrMapOvr>
     <a:masterClrMapping/>
   </p:clrMapOvr>
-  <p:timing>
-    <p:tnLst>
-      <p:par>
-        <p:cTn id="1" dur="indefinite" restart="never" nodeType="tmRoot">
-          <p:childTnLst>
-            <p:seq concurrent="1" nextAc="seek">
-              <p:cTn id="2" dur="indefinite" nodeType="mainSeq">
-                <p:childTnLst>
-                  <p:par>
-                    <p:cTn id="3" fill="hold">
-                      <p:stCondLst>
-                        <p:cond delay="indefinite"/>
-                        <p:cond evt="onBegin" delay="0">
-                          <p:tn val="2"/>
-                        </p:cond>
-                      </p:stCondLst>
-                      <p:childTnLst>
-                        <p:par>
-                          <p:cTn id="4" fill="hold">
-                            <p:stCondLst>
-                              <p:cond delay="0"/>
-                            </p:stCondLst>
-                            <p:childTnLst>
-                              <p:par>
-                                <p:cTn id="5" presetID="10" presetClass="entr" presetSubtype="0" fill="hold" nodeType="withEffect">
-                                  <p:stCondLst>
-                                    <p:cond delay="0"/>
-                                  </p:stCondLst>
-                                  <p:childTnLst>
-                                    <p:set>
-                                      <p:cBhvr>
-                                        <p:cTn id="6" dur="1" fill="hold">
-                                          <p:stCondLst>
-                                            <p:cond delay="0"/>
-                                          </p:stCondLst>
-                                        </p:cTn>
-                                        <p:tgtEl>
-                                          <p:spTgt spid="203"/>
-                                        </p:tgtEl>
-                                        <p:attrNameLst>
-                                          <p:attrName>style.visibility</p:attrName>
-                                        </p:attrNameLst>
-                                      </p:cBhvr>
-                                      <p:to>
-                                        <p:strVal val="visible"/>
-                                      </p:to>
-                                    </p:set>
-                                    <p:animEffect transition="in" filter="fade">
-                                      <p:cBhvr>
-                                        <p:cTn id="7" dur="5000"/>
-                                        <p:tgtEl>
-                                          <p:spTgt spid="203"/>
-                                        </p:tgtEl>
-                                      </p:cBhvr>
-                                    </p:animEffect>
-                                  </p:childTnLst>
-                                </p:cTn>
-                              </p:par>
-                            </p:childTnLst>
-                          </p:cTn>
-                        </p:par>
-                      </p:childTnLst>
-                    </p:cTn>
-                  </p:par>
-                </p:childTnLst>
-              </p:cTn>
-              <p:prevCondLst>
-                <p:cond evt="onPrev" delay="0">
-                  <p:tgtEl>
-                    <p:sldTgt/>
-                  </p:tgtEl>
-                </p:cond>
-              </p:prevCondLst>
-              <p:nextCondLst>
-                <p:cond evt="onNext" delay="0">
-                  <p:tgtEl>
-                    <p:sldTgt/>
-                  </p:tgtEl>
-                </p:cond>
-              </p:nextCondLst>
-            </p:seq>
-          </p:childTnLst>
-        </p:cTn>
-      </p:par>
-    </p:tnLst>
-  </p:timing>
 </p:sld>
 </file>
 
@@ -32347,7 +32151,7 @@
               <a:buFont typeface="Arial"/>
               <a:buNone/>
             </a:pPr>
-            <a:endParaRPr sz="1400" b="1" i="0" u="none" strike="noStrike" cap="none">
+            <a:endParaRPr sz="1400" b="1" i="0" u="none" strike="noStrike" cap="none" dirty="0">
               <a:solidFill>
                 <a:schemeClr val="dk1"/>
               </a:solidFill>
@@ -32376,7 +32180,7 @@
               <a:buNone/>
             </a:pPr>
             <a:r>
-              <a:rPr lang="es-419" sz="2200" b="1" i="0" u="none" strike="noStrike" cap="none">
+              <a:rPr lang="es-419" sz="2200" b="1" i="0" u="none" strike="noStrike" cap="none" dirty="0">
                 <a:solidFill>
                   <a:schemeClr val="lt1"/>
                 </a:solidFill>
@@ -32385,9 +32189,9 @@
                 <a:cs typeface="Century Gothic"/>
                 <a:sym typeface="Century Gothic"/>
               </a:rPr>
-              <a:t>Objetivos</a:t>
+              <a:t>Objetivo</a:t>
             </a:r>
-            <a:endParaRPr sz="2200" b="1" i="0" u="none" strike="noStrike" cap="none">
+            <a:endParaRPr sz="2200" b="1" i="0" u="none" strike="noStrike" cap="none" dirty="0">
               <a:solidFill>
                 <a:schemeClr val="lt1"/>
               </a:solidFill>
@@ -32415,7 +32219,7 @@
               <a:buFont typeface="Arial"/>
               <a:buNone/>
             </a:pPr>
-            <a:endParaRPr sz="1400" b="0" i="0" u="none" strike="noStrike" cap="none">
+            <a:endParaRPr sz="1400" b="0" i="0" u="none" strike="noStrike" cap="none" dirty="0">
               <a:solidFill>
                 <a:srgbClr val="000000"/>
               </a:solidFill>
@@ -33215,7 +33019,13 @@
         <p:nvGraphicFramePr>
           <p:cNvPr id="292" name="Google Shape;292;p18"/>
           <p:cNvGraphicFramePr/>
-          <p:nvPr/>
+          <p:nvPr>
+            <p:extLst>
+              <p:ext uri="{D42A27DB-BD31-4B8C-83A1-F6EECF244321}">
+                <p14:modId xmlns:p14="http://schemas.microsoft.com/office/powerpoint/2010/main" val="1449921069"/>
+              </p:ext>
+            </p:extLst>
+          </p:nvPr>
         </p:nvGraphicFramePr>
         <p:xfrm>
           <a:off x="192753" y="1450872"/>
@@ -33231,7 +33041,13 @@
         <p:nvGraphicFramePr>
           <p:cNvPr id="293" name="Google Shape;293;p18"/>
           <p:cNvGraphicFramePr/>
-          <p:nvPr/>
+          <p:nvPr>
+            <p:extLst>
+              <p:ext uri="{D42A27DB-BD31-4B8C-83A1-F6EECF244321}">
+                <p14:modId xmlns:p14="http://schemas.microsoft.com/office/powerpoint/2010/main" val="1191797612"/>
+              </p:ext>
+            </p:extLst>
+          </p:nvPr>
         </p:nvGraphicFramePr>
         <p:xfrm>
           <a:off x="4253476" y="1764153"/>
@@ -33411,7 +33227,13 @@
         <p:nvGraphicFramePr>
           <p:cNvPr id="301" name="Google Shape;301;p19"/>
           <p:cNvGraphicFramePr/>
-          <p:nvPr/>
+          <p:nvPr>
+            <p:extLst>
+              <p:ext uri="{D42A27DB-BD31-4B8C-83A1-F6EECF244321}">
+                <p14:modId xmlns:p14="http://schemas.microsoft.com/office/powerpoint/2010/main" val="3911683627"/>
+              </p:ext>
+            </p:extLst>
+          </p:nvPr>
         </p:nvGraphicFramePr>
         <p:xfrm>
           <a:off x="234312" y="1611754"/>
@@ -33427,7 +33249,13 @@
         <p:nvGraphicFramePr>
           <p:cNvPr id="302" name="Google Shape;302;p19"/>
           <p:cNvGraphicFramePr/>
-          <p:nvPr/>
+          <p:nvPr>
+            <p:extLst>
+              <p:ext uri="{D42A27DB-BD31-4B8C-83A1-F6EECF244321}">
+                <p14:modId xmlns:p14="http://schemas.microsoft.com/office/powerpoint/2010/main" val="1288140720"/>
+              </p:ext>
+            </p:extLst>
+          </p:nvPr>
         </p:nvGraphicFramePr>
         <p:xfrm>
           <a:off x="4026899" y="1611754"/>
@@ -33607,7 +33435,13 @@
         <p:nvGraphicFramePr>
           <p:cNvPr id="310" name="Google Shape;310;p20"/>
           <p:cNvGraphicFramePr/>
-          <p:nvPr/>
+          <p:nvPr>
+            <p:extLst>
+              <p:ext uri="{D42A27DB-BD31-4B8C-83A1-F6EECF244321}">
+                <p14:modId xmlns:p14="http://schemas.microsoft.com/office/powerpoint/2010/main" val="107579031"/>
+              </p:ext>
+            </p:extLst>
+          </p:nvPr>
         </p:nvGraphicFramePr>
         <p:xfrm>
           <a:off x="158317" y="1588955"/>
@@ -33623,7 +33457,13 @@
         <p:nvGraphicFramePr>
           <p:cNvPr id="311" name="Google Shape;311;p20"/>
           <p:cNvGraphicFramePr/>
-          <p:nvPr/>
+          <p:nvPr>
+            <p:extLst>
+              <p:ext uri="{D42A27DB-BD31-4B8C-83A1-F6EECF244321}">
+                <p14:modId xmlns:p14="http://schemas.microsoft.com/office/powerpoint/2010/main" val="1997924529"/>
+              </p:ext>
+            </p:extLst>
+          </p:nvPr>
         </p:nvGraphicFramePr>
         <p:xfrm>
           <a:off x="4026899" y="1531312"/>
@@ -33803,7 +33643,13 @@
         <p:nvGraphicFramePr>
           <p:cNvPr id="319" name="Google Shape;319;p21"/>
           <p:cNvGraphicFramePr/>
-          <p:nvPr/>
+          <p:nvPr>
+            <p:extLst>
+              <p:ext uri="{D42A27DB-BD31-4B8C-83A1-F6EECF244321}">
+                <p14:modId xmlns:p14="http://schemas.microsoft.com/office/powerpoint/2010/main" val="2371426846"/>
+              </p:ext>
+            </p:extLst>
+          </p:nvPr>
         </p:nvGraphicFramePr>
         <p:xfrm>
           <a:off x="169254" y="1622260"/>
@@ -33819,7 +33665,13 @@
         <p:nvGraphicFramePr>
           <p:cNvPr id="320" name="Google Shape;320;p21"/>
           <p:cNvGraphicFramePr/>
-          <p:nvPr/>
+          <p:nvPr>
+            <p:extLst>
+              <p:ext uri="{D42A27DB-BD31-4B8C-83A1-F6EECF244321}">
+                <p14:modId xmlns:p14="http://schemas.microsoft.com/office/powerpoint/2010/main" val="307074486"/>
+              </p:ext>
+            </p:extLst>
+          </p:nvPr>
         </p:nvGraphicFramePr>
         <p:xfrm>
           <a:off x="3788081" y="1622260"/>
@@ -33999,7 +33851,13 @@
         <p:nvGraphicFramePr>
           <p:cNvPr id="328" name="Google Shape;328;p22"/>
           <p:cNvGraphicFramePr/>
-          <p:nvPr/>
+          <p:nvPr>
+            <p:extLst>
+              <p:ext uri="{D42A27DB-BD31-4B8C-83A1-F6EECF244321}">
+                <p14:modId xmlns:p14="http://schemas.microsoft.com/office/powerpoint/2010/main" val="1394337824"/>
+              </p:ext>
+            </p:extLst>
+          </p:nvPr>
         </p:nvGraphicFramePr>
         <p:xfrm>
           <a:off x="0" y="1622259"/>
@@ -34015,7 +33873,13 @@
         <p:nvGraphicFramePr>
           <p:cNvPr id="329" name="Google Shape;329;p22"/>
           <p:cNvGraphicFramePr/>
-          <p:nvPr/>
+          <p:nvPr>
+            <p:extLst>
+              <p:ext uri="{D42A27DB-BD31-4B8C-83A1-F6EECF244321}">
+                <p14:modId xmlns:p14="http://schemas.microsoft.com/office/powerpoint/2010/main" val="315641052"/>
+              </p:ext>
+            </p:extLst>
+          </p:nvPr>
         </p:nvGraphicFramePr>
         <p:xfrm>
           <a:off x="3801192" y="1622259"/>
@@ -34579,7 +34443,13 @@
         <p:nvGraphicFramePr>
           <p:cNvPr id="353" name="Google Shape;353;p25"/>
           <p:cNvGraphicFramePr/>
-          <p:nvPr/>
+          <p:nvPr>
+            <p:extLst>
+              <p:ext uri="{D42A27DB-BD31-4B8C-83A1-F6EECF244321}">
+                <p14:modId xmlns:p14="http://schemas.microsoft.com/office/powerpoint/2010/main" val="1883882330"/>
+              </p:ext>
+            </p:extLst>
+          </p:nvPr>
         </p:nvGraphicFramePr>
         <p:xfrm>
           <a:off x="93406" y="1697323"/>
@@ -34595,7 +34465,13 @@
         <p:nvGraphicFramePr>
           <p:cNvPr id="354" name="Google Shape;354;p25"/>
           <p:cNvGraphicFramePr/>
-          <p:nvPr/>
+          <p:nvPr>
+            <p:extLst>
+              <p:ext uri="{D42A27DB-BD31-4B8C-83A1-F6EECF244321}">
+                <p14:modId xmlns:p14="http://schemas.microsoft.com/office/powerpoint/2010/main" val="3518508762"/>
+              </p:ext>
+            </p:extLst>
+          </p:nvPr>
         </p:nvGraphicFramePr>
         <p:xfrm>
           <a:off x="4148110" y="1457509"/>
@@ -37784,7 +37660,7 @@
               <a:buNone/>
             </a:pPr>
             <a:r>
-              <a:rPr lang="es-419" sz="4800" b="1" i="0" u="none" strike="noStrike" cap="none">
+              <a:rPr lang="es-419" sz="4800" b="1" i="0" u="none" strike="noStrike" cap="none" dirty="0">
                 <a:solidFill>
                   <a:schemeClr val="lt1"/>
                 </a:solidFill>
@@ -37793,9 +37669,9 @@
                 <a:cs typeface="Century Gothic"/>
                 <a:sym typeface="Century Gothic"/>
               </a:rPr>
-              <a:t>OBJETIVOS</a:t>
+              <a:t>OBJETIVO</a:t>
             </a:r>
-            <a:endParaRPr sz="4800" b="0" i="0" u="none" strike="noStrike" cap="none">
+            <a:endParaRPr sz="4800" b="0" i="0" u="none" strike="noStrike" cap="none" dirty="0">
               <a:solidFill>
                 <a:schemeClr val="lt1"/>
               </a:solidFill>
